--- a/results/Figure 3.pptx
+++ b/results/Figure 3.pptx
@@ -104,6 +104,11 @@
       </a:defRPr>
     </a:lvl9pPr>
   </p:defaultTextStyle>
+  <p:extLst>
+    <p:ext uri="{EFAFB233-063F-42B5-8137-9DF3F51BA10A}">
+      <p15:sldGuideLst xmlns:p15="http://schemas.microsoft.com/office/powerpoint/2012/main"/>
+    </p:ext>
+  </p:extLst>
 </p:presentation>
 </file>
 
@@ -238,7 +243,7 @@
           <a:p>
             <a:fld id="{49F9E936-92E4-B940-959A-CB56B5EF679F}" type="datetimeFigureOut">
               <a:rPr lang="en-US" smtClean="0"/>
-              <a:t>1/6/25</a:t>
+              <a:t>1/9/25</a:t>
             </a:fld>
             <a:endParaRPr lang="en-US"/>
           </a:p>
@@ -408,7 +413,7 @@
           <a:p>
             <a:fld id="{49F9E936-92E4-B940-959A-CB56B5EF679F}" type="datetimeFigureOut">
               <a:rPr lang="en-US" smtClean="0"/>
-              <a:t>1/6/25</a:t>
+              <a:t>1/9/25</a:t>
             </a:fld>
             <a:endParaRPr lang="en-US"/>
           </a:p>
@@ -588,7 +593,7 @@
           <a:p>
             <a:fld id="{49F9E936-92E4-B940-959A-CB56B5EF679F}" type="datetimeFigureOut">
               <a:rPr lang="en-US" smtClean="0"/>
-              <a:t>1/6/25</a:t>
+              <a:t>1/9/25</a:t>
             </a:fld>
             <a:endParaRPr lang="en-US"/>
           </a:p>
@@ -758,7 +763,7 @@
           <a:p>
             <a:fld id="{49F9E936-92E4-B940-959A-CB56B5EF679F}" type="datetimeFigureOut">
               <a:rPr lang="en-US" smtClean="0"/>
-              <a:t>1/6/25</a:t>
+              <a:t>1/9/25</a:t>
             </a:fld>
             <a:endParaRPr lang="en-US"/>
           </a:p>
@@ -1002,7 +1007,7 @@
           <a:p>
             <a:fld id="{49F9E936-92E4-B940-959A-CB56B5EF679F}" type="datetimeFigureOut">
               <a:rPr lang="en-US" smtClean="0"/>
-              <a:t>1/6/25</a:t>
+              <a:t>1/9/25</a:t>
             </a:fld>
             <a:endParaRPr lang="en-US"/>
           </a:p>
@@ -1234,7 +1239,7 @@
           <a:p>
             <a:fld id="{49F9E936-92E4-B940-959A-CB56B5EF679F}" type="datetimeFigureOut">
               <a:rPr lang="en-US" smtClean="0"/>
-              <a:t>1/6/25</a:t>
+              <a:t>1/9/25</a:t>
             </a:fld>
             <a:endParaRPr lang="en-US"/>
           </a:p>
@@ -1601,7 +1606,7 @@
           <a:p>
             <a:fld id="{49F9E936-92E4-B940-959A-CB56B5EF679F}" type="datetimeFigureOut">
               <a:rPr lang="en-US" smtClean="0"/>
-              <a:t>1/6/25</a:t>
+              <a:t>1/9/25</a:t>
             </a:fld>
             <a:endParaRPr lang="en-US"/>
           </a:p>
@@ -1719,7 +1724,7 @@
           <a:p>
             <a:fld id="{49F9E936-92E4-B940-959A-CB56B5EF679F}" type="datetimeFigureOut">
               <a:rPr lang="en-US" smtClean="0"/>
-              <a:t>1/6/25</a:t>
+              <a:t>1/9/25</a:t>
             </a:fld>
             <a:endParaRPr lang="en-US"/>
           </a:p>
@@ -1814,7 +1819,7 @@
           <a:p>
             <a:fld id="{49F9E936-92E4-B940-959A-CB56B5EF679F}" type="datetimeFigureOut">
               <a:rPr lang="en-US" smtClean="0"/>
-              <a:t>1/6/25</a:t>
+              <a:t>1/9/25</a:t>
             </a:fld>
             <a:endParaRPr lang="en-US"/>
           </a:p>
@@ -2091,7 +2096,7 @@
           <a:p>
             <a:fld id="{49F9E936-92E4-B940-959A-CB56B5EF679F}" type="datetimeFigureOut">
               <a:rPr lang="en-US" smtClean="0"/>
-              <a:t>1/6/25</a:t>
+              <a:t>1/9/25</a:t>
             </a:fld>
             <a:endParaRPr lang="en-US"/>
           </a:p>
@@ -2348,7 +2353,7 @@
           <a:p>
             <a:fld id="{49F9E936-92E4-B940-959A-CB56B5EF679F}" type="datetimeFigureOut">
               <a:rPr lang="en-US" smtClean="0"/>
-              <a:t>1/6/25</a:t>
+              <a:t>1/9/25</a:t>
             </a:fld>
             <a:endParaRPr lang="en-US"/>
           </a:p>
@@ -2561,7 +2566,7 @@
           <a:p>
             <a:fld id="{49F9E936-92E4-B940-959A-CB56B5EF679F}" type="datetimeFigureOut">
               <a:rPr lang="en-US" smtClean="0"/>
-              <a:t>1/6/25</a:t>
+              <a:t>1/9/25</a:t>
             </a:fld>
             <a:endParaRPr lang="en-US"/>
           </a:p>
@@ -2968,10 +2973,10 @@
       </p:grpSpPr>
       <p:pic>
         <p:nvPicPr>
-          <p:cNvPr id="5" name="Picture 4">
+          <p:cNvPr id="3" name="Picture 2">
             <a:extLst>
               <a:ext uri="{FF2B5EF4-FFF2-40B4-BE49-F238E27FC236}">
-                <a16:creationId xmlns:a16="http://schemas.microsoft.com/office/drawing/2014/main" id="{062FA646-5103-01A2-2B45-5DCA06CAF903}"/>
+                <a16:creationId xmlns:a16="http://schemas.microsoft.com/office/drawing/2014/main" id="{DADA54F1-1AB3-9F9F-1E84-1560BE44066E}"/>
               </a:ext>
             </a:extLst>
           </p:cNvPr>
@@ -2988,8 +2993,8 @@
         </p:blipFill>
         <p:spPr>
           <a:xfrm>
-            <a:off x="147638" y="3749040"/>
-            <a:ext cx="7772400" cy="3108960"/>
+            <a:off x="73819" y="139850"/>
+            <a:ext cx="7772400" cy="3532908"/>
           </a:xfrm>
           <a:prstGeom prst="rect">
             <a:avLst/>
@@ -2998,10 +3003,10 @@
       </p:pic>
       <p:pic>
         <p:nvPicPr>
-          <p:cNvPr id="7" name="Picture 6">
+          <p:cNvPr id="5" name="Picture 4">
             <a:extLst>
               <a:ext uri="{FF2B5EF4-FFF2-40B4-BE49-F238E27FC236}">
-                <a16:creationId xmlns:a16="http://schemas.microsoft.com/office/drawing/2014/main" id="{A2201155-DCC4-6C81-3FFD-3F56D97C6A3F}"/>
+                <a16:creationId xmlns:a16="http://schemas.microsoft.com/office/drawing/2014/main" id="{E0B8AA53-6F7C-4854-4AC5-5A0B789EDD41}"/>
               </a:ext>
             </a:extLst>
           </p:cNvPr>
@@ -3018,8 +3023,8 @@
         </p:blipFill>
         <p:spPr>
           <a:xfrm>
-            <a:off x="73819" y="104620"/>
-            <a:ext cx="7772400" cy="3532909"/>
+            <a:off x="73819" y="3749041"/>
+            <a:ext cx="7772400" cy="3108959"/>
           </a:xfrm>
           <a:prstGeom prst="rect">
             <a:avLst/>
